--- a/polarization/related/PolarizationPipelinePresentation.pptx
+++ b/polarization/related/PolarizationPipelinePresentation.pptx
@@ -1430,7 +1430,7 @@
           <a:bodyPr wrap="none" lIns="0" rIns="0" tIns="0" bIns="0"/>
           <a:p>
             <a:pPr algn="r"/>
-            <a:fld id="{008FCCAD-F1A8-4DDA-BA7C-E299A5AA755C}" type="slidenum">
+            <a:fld id="{61AA5E04-A5DA-43AF-A666-834E12E846AC}" type="slidenum">
               <a:rPr lang="en-US"/>
               <a:t>&lt;number&gt;</a:t>
             </a:fld>
@@ -2603,6 +2603,90 @@
             <a:r>
               <a:rPr lang="en-US"/>
               <a:t>Increase in speed</a:t>
+            </a:r>
+            <a:endParaRPr/>
+          </a:p>
+          <a:p>
+            <a:pPr>
+              <a:buSzPct val="25000"/>
+              <a:buFont typeface="StarSymbol"/>
+              <a:buChar char=""/>
+            </a:pPr>
+            <a:r>
+              <a:rPr lang="en-US"/>
+              <a:t>Parallelization</a:t>
+            </a:r>
+            <a:endParaRPr/>
+          </a:p>
+          <a:p>
+            <a:pPr lvl="1">
+              <a:buSzPct val="25000"/>
+              <a:buFont typeface="StarSymbol"/>
+              <a:buChar char=""/>
+            </a:pPr>
+            <a:r>
+              <a:rPr lang="en-US"/>
+              <a:t>21 instances of kernel necessary as is</a:t>
+            </a:r>
+            <a:endParaRPr/>
+          </a:p>
+          <a:p>
+            <a:pPr>
+              <a:buSzPct val="25000"/>
+              <a:buFont typeface="StarSymbol"/>
+              <a:buChar char=""/>
+            </a:pPr>
+            <a:r>
+              <a:rPr lang="en-US"/>
+              <a:t>Integer Interpolation</a:t>
+            </a:r>
+            <a:endParaRPr/>
+          </a:p>
+          <a:p>
+            <a:pPr lvl="1">
+              <a:buSzPct val="25000"/>
+              <a:buFont typeface="StarSymbol"/>
+              <a:buChar char=""/>
+            </a:pPr>
+            <a:r>
+              <a:rPr lang="en-US"/>
+              <a:t>Timing:</a:t>
+            </a:r>
+            <a:endParaRPr/>
+          </a:p>
+          <a:p>
+            <a:pPr lvl="2">
+              <a:buSzPct val="25000"/>
+              <a:buFont typeface="StarSymbol"/>
+              <a:buChar char=""/>
+            </a:pPr>
+            <a:r>
+              <a:rPr lang="en-US"/>
+              <a:t>50.8 cycles/pixel</a:t>
+            </a:r>
+            <a:endParaRPr/>
+          </a:p>
+          <a:p>
+            <a:pPr lvl="2">
+              <a:buSzPct val="25000"/>
+              <a:buFont typeface="StarSymbol"/>
+              <a:buChar char=""/>
+            </a:pPr>
+            <a:r>
+              <a:rPr lang="en-US"/>
+              <a:t>6.6 frames/second</a:t>
+            </a:r>
+            <a:endParaRPr/>
+          </a:p>
+          <a:p>
+            <a:pPr lvl="2">
+              <a:buSzPct val="25000"/>
+              <a:buFont typeface="StarSymbol"/>
+              <a:buChar char=""/>
+            </a:pPr>
+            <a:r>
+              <a:rPr lang="en-US"/>
+              <a:t>5 instances necessary</a:t>
             </a:r>
             <a:endParaRPr/>
           </a:p>
